--- a/assets/pdf/mockschermen.pptx
+++ b/assets/pdf/mockschermen.pptx
@@ -260,7 +260,7 @@
           <a:p>
             <a:fld id="{52723AC9-27E6-4FDB-A2FC-783371EE6600}" type="datetimeFigureOut">
               <a:rPr lang="en-US" smtClean="0"/>
-              <a:t>10/21/2022</a:t>
+              <a:t>10/26/2022</a:t>
             </a:fld>
             <a:endParaRPr lang="en-US"/>
           </a:p>
@@ -458,7 +458,7 @@
           <a:p>
             <a:fld id="{52723AC9-27E6-4FDB-A2FC-783371EE6600}" type="datetimeFigureOut">
               <a:rPr lang="en-US" smtClean="0"/>
-              <a:t>10/21/2022</a:t>
+              <a:t>10/26/2022</a:t>
             </a:fld>
             <a:endParaRPr lang="en-US"/>
           </a:p>
@@ -666,7 +666,7 @@
           <a:p>
             <a:fld id="{52723AC9-27E6-4FDB-A2FC-783371EE6600}" type="datetimeFigureOut">
               <a:rPr lang="en-US" smtClean="0"/>
-              <a:t>10/21/2022</a:t>
+              <a:t>10/26/2022</a:t>
             </a:fld>
             <a:endParaRPr lang="en-US"/>
           </a:p>
@@ -864,7 +864,7 @@
           <a:p>
             <a:fld id="{52723AC9-27E6-4FDB-A2FC-783371EE6600}" type="datetimeFigureOut">
               <a:rPr lang="en-US" smtClean="0"/>
-              <a:t>10/21/2022</a:t>
+              <a:t>10/26/2022</a:t>
             </a:fld>
             <a:endParaRPr lang="en-US"/>
           </a:p>
@@ -1139,7 +1139,7 @@
           <a:p>
             <a:fld id="{52723AC9-27E6-4FDB-A2FC-783371EE6600}" type="datetimeFigureOut">
               <a:rPr lang="en-US" smtClean="0"/>
-              <a:t>10/21/2022</a:t>
+              <a:t>10/26/2022</a:t>
             </a:fld>
             <a:endParaRPr lang="en-US"/>
           </a:p>
@@ -1404,7 +1404,7 @@
           <a:p>
             <a:fld id="{52723AC9-27E6-4FDB-A2FC-783371EE6600}" type="datetimeFigureOut">
               <a:rPr lang="en-US" smtClean="0"/>
-              <a:t>10/21/2022</a:t>
+              <a:t>10/26/2022</a:t>
             </a:fld>
             <a:endParaRPr lang="en-US"/>
           </a:p>
@@ -1816,7 +1816,7 @@
           <a:p>
             <a:fld id="{52723AC9-27E6-4FDB-A2FC-783371EE6600}" type="datetimeFigureOut">
               <a:rPr lang="en-US" smtClean="0"/>
-              <a:t>10/21/2022</a:t>
+              <a:t>10/26/2022</a:t>
             </a:fld>
             <a:endParaRPr lang="en-US"/>
           </a:p>
@@ -1957,7 +1957,7 @@
           <a:p>
             <a:fld id="{52723AC9-27E6-4FDB-A2FC-783371EE6600}" type="datetimeFigureOut">
               <a:rPr lang="en-US" smtClean="0"/>
-              <a:t>10/21/2022</a:t>
+              <a:t>10/26/2022</a:t>
             </a:fld>
             <a:endParaRPr lang="en-US"/>
           </a:p>
@@ -2070,7 +2070,7 @@
           <a:p>
             <a:fld id="{52723AC9-27E6-4FDB-A2FC-783371EE6600}" type="datetimeFigureOut">
               <a:rPr lang="en-US" smtClean="0"/>
-              <a:t>10/21/2022</a:t>
+              <a:t>10/26/2022</a:t>
             </a:fld>
             <a:endParaRPr lang="en-US"/>
           </a:p>
@@ -2381,7 +2381,7 @@
           <a:p>
             <a:fld id="{52723AC9-27E6-4FDB-A2FC-783371EE6600}" type="datetimeFigureOut">
               <a:rPr lang="en-US" smtClean="0"/>
-              <a:t>10/21/2022</a:t>
+              <a:t>10/26/2022</a:t>
             </a:fld>
             <a:endParaRPr lang="en-US"/>
           </a:p>
@@ -2669,7 +2669,7 @@
           <a:p>
             <a:fld id="{52723AC9-27E6-4FDB-A2FC-783371EE6600}" type="datetimeFigureOut">
               <a:rPr lang="en-US" smtClean="0"/>
-              <a:t>10/21/2022</a:t>
+              <a:t>10/26/2022</a:t>
             </a:fld>
             <a:endParaRPr lang="en-US"/>
           </a:p>
@@ -2910,7 +2910,7 @@
           <a:p>
             <a:fld id="{52723AC9-27E6-4FDB-A2FC-783371EE6600}" type="datetimeFigureOut">
               <a:rPr lang="en-US" smtClean="0"/>
-              <a:t>10/21/2022</a:t>
+              <a:t>10/26/2022</a:t>
             </a:fld>
             <a:endParaRPr lang="en-US"/>
           </a:p>
@@ -3441,8 +3441,8 @@
         </p:blipFill>
         <p:spPr>
           <a:xfrm>
-            <a:off x="0" y="6476299"/>
-            <a:ext cx="1551963" cy="381699"/>
+            <a:off x="50283" y="6488666"/>
+            <a:ext cx="1501680" cy="369332"/>
           </a:xfrm>
         </p:spPr>
       </p:pic>
